--- a/slides/chapter3_getting_to_know_gui.pptx
+++ b/slides/chapter3_getting_to_know_gui.pptx
@@ -227,7 +227,7 @@
           <a:p>
             <a:fld id="{8A6B91D2-9E79-412C-A7F0-44859A33EAAA}" type="datetimeFigureOut">
               <a:rPr lang="en-US" smtClean="0"/>
-              <a:t>11/16/2015</a:t>
+              <a:t>12/7/2015</a:t>
             </a:fld>
             <a:endParaRPr lang="en-US" dirty="0"/>
           </a:p>
@@ -941,7 +941,7 @@
           <a:p>
             <a:fld id="{AD3B9B2E-78D5-485D-A6F0-B187A4DDDF47}" type="datetime1">
               <a:rPr lang="en-US" smtClean="0"/>
-              <a:t>11/16/2015</a:t>
+              <a:t>12/7/2015</a:t>
             </a:fld>
             <a:endParaRPr lang="en-US" dirty="0"/>
           </a:p>
@@ -1080,7 +1080,7 @@
           <a:p>
             <a:fld id="{D5A17E2C-6156-456C-A622-3A32F4BE83F2}" type="datetime1">
               <a:rPr lang="en-US" smtClean="0"/>
-              <a:t>11/16/2015</a:t>
+              <a:t>12/7/2015</a:t>
             </a:fld>
             <a:endParaRPr lang="en-US" dirty="0"/>
           </a:p>
@@ -1196,7 +1196,7 @@
           <a:p>
             <a:fld id="{0B713CFA-AFAD-4538-AA5D-CFB423E6D282}" type="datetime1">
               <a:rPr lang="en-US" smtClean="0"/>
-              <a:t>11/16/2015</a:t>
+              <a:t>12/7/2015</a:t>
             </a:fld>
             <a:endParaRPr lang="en-US" dirty="0"/>
           </a:p>
@@ -1494,7 +1494,7 @@
           <a:p>
             <a:fld id="{AD41C741-CF18-4F4B-A360-E0CC354E7B30}" type="datetime1">
               <a:rPr lang="en-US" smtClean="0"/>
-              <a:t>11/16/2015</a:t>
+              <a:t>12/7/2015</a:t>
             </a:fld>
             <a:endParaRPr lang="en-US" dirty="0"/>
           </a:p>
@@ -1772,7 +1772,7 @@
           <a:p>
             <a:fld id="{F291C3E4-1B80-4765-A130-AB5527270AB1}" type="datetime1">
               <a:rPr lang="en-US" smtClean="0"/>
-              <a:t>11/16/2015</a:t>
+              <a:t>12/7/2015</a:t>
             </a:fld>
             <a:endParaRPr lang="en-US" dirty="0"/>
           </a:p>
@@ -1963,7 +1963,7 @@
           <a:p>
             <a:fld id="{FD262526-7610-4673-941F-CC74A1538ACF}" type="datetime1">
               <a:rPr lang="en-US" smtClean="0"/>
-              <a:t>11/16/2015</a:t>
+              <a:t>12/7/2015</a:t>
             </a:fld>
             <a:endParaRPr lang="en-US" dirty="0"/>
           </a:p>
@@ -2164,7 +2164,7 @@
           <a:p>
             <a:fld id="{118EEA14-5288-4929-8EB4-C2AFA9E01B25}" type="datetime1">
               <a:rPr lang="en-US" smtClean="0"/>
-              <a:t>11/16/2015</a:t>
+              <a:t>12/7/2015</a:t>
             </a:fld>
             <a:endParaRPr lang="en-US" dirty="0"/>
           </a:p>
@@ -2427,7 +2427,7 @@
           <a:p>
             <a:fld id="{29FE0FD4-9793-40E5-9CE1-4FFB9A5AFE1A}" type="datetime1">
               <a:rPr lang="en-US" smtClean="0"/>
-              <a:t>11/16/2015</a:t>
+              <a:t>12/7/2015</a:t>
             </a:fld>
             <a:endParaRPr lang="en-US" dirty="0"/>
           </a:p>
@@ -2618,7 +2618,7 @@
           <a:p>
             <a:fld id="{83E5DE47-8504-4660-8E21-48372A496086}" type="datetime1">
               <a:rPr lang="en-US" smtClean="0"/>
-              <a:t>11/16/2015</a:t>
+              <a:t>12/7/2015</a:t>
             </a:fld>
             <a:endParaRPr lang="en-US" dirty="0"/>
           </a:p>
@@ -2814,7 +2814,7 @@
           <a:p>
             <a:fld id="{233900AF-2196-49C2-B5FC-E504BFCFB518}" type="datetime1">
               <a:rPr lang="en-US" smtClean="0"/>
-              <a:t>11/16/2015</a:t>
+              <a:t>12/7/2015</a:t>
             </a:fld>
             <a:endParaRPr lang="en-US" dirty="0"/>
           </a:p>
@@ -3013,7 +3013,7 @@
           <a:p>
             <a:fld id="{455681A4-5ABE-4049-9281-FE6E3D21EF02}" type="datetime1">
               <a:rPr lang="en-US" smtClean="0"/>
-              <a:t>11/16/2015</a:t>
+              <a:t>12/7/2015</a:t>
             </a:fld>
             <a:endParaRPr lang="en-US" dirty="0"/>
           </a:p>
@@ -3204,7 +3204,7 @@
           <a:p>
             <a:fld id="{B7B6247C-1EF3-4169-97A3-32185EC46D20}" type="datetime1">
               <a:rPr lang="en-US" smtClean="0"/>
-              <a:t>11/16/2015</a:t>
+              <a:t>12/7/2015</a:t>
             </a:fld>
             <a:endParaRPr lang="en-US" dirty="0"/>
           </a:p>
@@ -3471,7 +3471,7 @@
           <a:p>
             <a:fld id="{4E4B7045-2F04-44F0-9495-EEEA140602D0}" type="datetime1">
               <a:rPr lang="en-US" smtClean="0"/>
-              <a:t>11/16/2015</a:t>
+              <a:t>12/7/2015</a:t>
             </a:fld>
             <a:endParaRPr lang="en-US" dirty="0"/>
           </a:p>
@@ -3780,7 +3780,7 @@
           <a:p>
             <a:fld id="{025C49C4-57A2-40B7-AA30-3457BC3A22F5}" type="datetime1">
               <a:rPr lang="en-US" smtClean="0"/>
-              <a:t>11/16/2015</a:t>
+              <a:t>12/7/2015</a:t>
             </a:fld>
             <a:endParaRPr lang="en-US" dirty="0"/>
           </a:p>
@@ -4223,7 +4223,7 @@
           <a:p>
             <a:fld id="{407A2FC3-E45B-4C79-8CE1-D6DB915489A4}" type="datetime1">
               <a:rPr lang="en-US" smtClean="0"/>
-              <a:t>11/16/2015</a:t>
+              <a:t>12/7/2015</a:t>
             </a:fld>
             <a:endParaRPr lang="en-US" dirty="0"/>
           </a:p>
@@ -4480,7 +4480,7 @@
           <a:p>
             <a:fld id="{61D173F4-E9B7-486B-A3A2-20A25FAC6DA9}" type="datetime1">
               <a:rPr lang="en-US" smtClean="0"/>
-              <a:t>11/16/2015</a:t>
+              <a:t>12/7/2015</a:t>
             </a:fld>
             <a:endParaRPr lang="en-US" dirty="0"/>
           </a:p>
@@ -6021,7 +6021,6 @@
               <a:rPr lang="en-US" dirty="0"/>
               <a:t>)</a:t>
             </a:r>
-            <a:endParaRPr lang="en-US" dirty="0"/>
           </a:p>
         </p:txBody>
       </p:sp>
@@ -6487,11 +6486,7 @@
           <a:p>
             <a:r>
               <a:rPr lang="en-US" dirty="0" smtClean="0"/>
-              <a:t>Density </a:t>
-            </a:r>
-            <a:r>
-              <a:rPr lang="en-US" dirty="0" smtClean="0"/>
-              <a:t>Support</a:t>
+              <a:t>Density Support</a:t>
             </a:r>
             <a:endParaRPr lang="en-US" dirty="0"/>
           </a:p>
@@ -13473,7 +13468,6 @@
               <a:rPr lang="en-US" dirty="0" smtClean="0"/>
               <a:t>layout</a:t>
             </a:r>
-            <a:endParaRPr lang="en-US" dirty="0" smtClean="0"/>
           </a:p>
         </p:txBody>
       </p:sp>
@@ -21893,12 +21887,24 @@
               <a:t> (via </a:t>
             </a:r>
             <a:r>
-              <a:rPr lang="en-US" i="1" dirty="0" err="1" smtClean="0"/>
+              <a:rPr lang="en-US" i="1" err="1" smtClean="0">
+                <a:solidFill>
+                  <a:srgbClr val="00B050"/>
+                </a:solidFill>
+              </a:rPr>
               <a:t>android:id</a:t>
             </a:r>
             <a:r>
+              <a:rPr lang="en-US" smtClean="0"/>
+              <a:t> </a:t>
+            </a:r>
+            <a:r>
+              <a:rPr lang="en-US" smtClean="0"/>
+              <a:t>attribute </a:t>
+            </a:r>
+            <a:r>
               <a:rPr lang="en-US" dirty="0" smtClean="0"/>
-              <a:t> attribute_ will have their </a:t>
+              <a:t>will have their </a:t>
             </a:r>
             <a:r>
               <a:rPr lang="en-US" dirty="0" smtClean="0">
@@ -22156,11 +22162,6 @@
               </a:rPr>
               <a:t>performance</a:t>
             </a:r>
-            <a:endParaRPr lang="en-US" dirty="0" smtClean="0">
-              <a:solidFill>
-                <a:srgbClr val="00B050"/>
-              </a:solidFill>
-            </a:endParaRPr>
           </a:p>
           <a:p>
             <a:r>
@@ -25247,11 +25248,11 @@
   <p:clrMapOvr>
     <a:masterClrMapping/>
   </p:clrMapOvr>
-  <mc:AlternateContent xmlns:mc="http://schemas.openxmlformats.org/markup-compatibility/2006">
-    <mc:Choice xmlns:p14="http://schemas.microsoft.com/office/powerpoint/2010/main" Requires="p14">
+  <mc:AlternateContent xmlns:mc="http://schemas.openxmlformats.org/markup-compatibility/2006" xmlns:p14="http://schemas.microsoft.com/office/powerpoint/2010/main">
+    <mc:Choice Requires="p14">
       <p:transition spd="slow" p14:dur="2000"/>
     </mc:Choice>
-    <mc:Fallback>
+    <mc:Fallback xmlns="">
       <p:transition spd="slow"/>
     </mc:Fallback>
   </mc:AlternateContent>
